--- a/KDM Project/documentation/KDM Presentation.pptx
+++ b/KDM Project/documentation/KDM Presentation.pptx
@@ -6,10 +6,10 @@
     <p:sldMasterId id="2147483660" r:id="rId2"/>
   </p:sldMasterIdLst>
   <p:notesMasterIdLst>
-    <p:notesMasterId r:id="rId18"/>
+    <p:notesMasterId r:id="rId19"/>
   </p:notesMasterIdLst>
   <p:handoutMasterIdLst>
-    <p:handoutMasterId r:id="rId19"/>
+    <p:handoutMasterId r:id="rId20"/>
   </p:handoutMasterIdLst>
   <p:sldIdLst>
     <p:sldId id="273" r:id="rId3"/>
@@ -24,9 +24,10 @@
     <p:sldId id="300" r:id="rId12"/>
     <p:sldId id="296" r:id="rId13"/>
     <p:sldId id="299" r:id="rId14"/>
-    <p:sldId id="288" r:id="rId15"/>
-    <p:sldId id="261" r:id="rId16"/>
-    <p:sldId id="271" r:id="rId17"/>
+    <p:sldId id="303" r:id="rId15"/>
+    <p:sldId id="288" r:id="rId16"/>
+    <p:sldId id="261" r:id="rId17"/>
+    <p:sldId id="271" r:id="rId18"/>
   </p:sldIdLst>
   <p:sldSz cx="9144000" cy="6858000" type="screen4x3"/>
   <p:notesSz cx="6858000" cy="9144000"/>
@@ -233,7 +234,7 @@
           <a:p>
             <a:fld id="{107DCCF6-8A87-43EC-AEE1-4A76C2282723}" type="datetimeFigureOut">
               <a:rPr lang="en-US" smtClean="0"/>
-              <a:t>7/25/2017</a:t>
+              <a:t>7/26/2017</a:t>
             </a:fld>
             <a:endParaRPr lang="en-US"/>
           </a:p>
@@ -398,7 +399,7 @@
           <a:p>
             <a:fld id="{6A408A42-8110-7F4B-8B5D-8E63E83FB20C}" type="datetimeFigureOut">
               <a:rPr lang="en-US" smtClean="0"/>
-              <a:t>7/25/2017</a:t>
+              <a:t>7/26/2017</a:t>
             </a:fld>
             <a:endParaRPr lang="en-US"/>
           </a:p>
@@ -844,7 +845,7 @@
           <a:p>
             <a:fld id="{49DBEA4D-F3C4-4046-BB47-FCB1207B26B3}" type="datetimeFigureOut">
               <a:rPr lang="en-US" smtClean="0"/>
-              <a:t>7/25/2017</a:t>
+              <a:t>7/26/2017</a:t>
             </a:fld>
             <a:endParaRPr lang="en-US"/>
           </a:p>
@@ -1012,7 +1013,7 @@
           <a:p>
             <a:fld id="{49DBEA4D-F3C4-4046-BB47-FCB1207B26B3}" type="datetimeFigureOut">
               <a:rPr lang="en-US" smtClean="0"/>
-              <a:t>7/25/2017</a:t>
+              <a:t>7/26/2017</a:t>
             </a:fld>
             <a:endParaRPr lang="en-US"/>
           </a:p>
@@ -1190,7 +1191,7 @@
           <a:p>
             <a:fld id="{49DBEA4D-F3C4-4046-BB47-FCB1207B26B3}" type="datetimeFigureOut">
               <a:rPr lang="en-US" smtClean="0"/>
-              <a:t>7/25/2017</a:t>
+              <a:t>7/26/2017</a:t>
             </a:fld>
             <a:endParaRPr lang="en-US"/>
           </a:p>
@@ -1440,7 +1441,7 @@
           <a:p>
             <a:fld id="{CB151F00-3264-D74A-9603-89B73FD0711A}" type="datetimeFigureOut">
               <a:rPr lang="en-US" smtClean="0"/>
-              <a:t>7/25/2017</a:t>
+              <a:t>7/26/2017</a:t>
             </a:fld>
             <a:endParaRPr lang="en-US"/>
           </a:p>
@@ -1608,7 +1609,7 @@
           <a:p>
             <a:fld id="{CB151F00-3264-D74A-9603-89B73FD0711A}" type="datetimeFigureOut">
               <a:rPr lang="en-US" smtClean="0"/>
-              <a:t>7/25/2017</a:t>
+              <a:t>7/26/2017</a:t>
             </a:fld>
             <a:endParaRPr lang="en-US"/>
           </a:p>
@@ -1853,7 +1854,7 @@
           <a:p>
             <a:fld id="{CB151F00-3264-D74A-9603-89B73FD0711A}" type="datetimeFigureOut">
               <a:rPr lang="en-US" smtClean="0"/>
-              <a:t>7/25/2017</a:t>
+              <a:t>7/26/2017</a:t>
             </a:fld>
             <a:endParaRPr lang="en-US"/>
           </a:p>
@@ -2138,7 +2139,7 @@
           <a:p>
             <a:fld id="{CB151F00-3264-D74A-9603-89B73FD0711A}" type="datetimeFigureOut">
               <a:rPr lang="en-US" smtClean="0"/>
-              <a:t>7/25/2017</a:t>
+              <a:t>7/26/2017</a:t>
             </a:fld>
             <a:endParaRPr lang="en-US"/>
           </a:p>
@@ -2557,7 +2558,7 @@
           <a:p>
             <a:fld id="{CB151F00-3264-D74A-9603-89B73FD0711A}" type="datetimeFigureOut">
               <a:rPr lang="en-US" smtClean="0"/>
-              <a:t>7/25/2017</a:t>
+              <a:t>7/26/2017</a:t>
             </a:fld>
             <a:endParaRPr lang="en-US"/>
           </a:p>
@@ -2674,7 +2675,7 @@
           <a:p>
             <a:fld id="{CB151F00-3264-D74A-9603-89B73FD0711A}" type="datetimeFigureOut">
               <a:rPr lang="en-US" smtClean="0"/>
-              <a:t>7/25/2017</a:t>
+              <a:t>7/26/2017</a:t>
             </a:fld>
             <a:endParaRPr lang="en-US"/>
           </a:p>
@@ -2769,7 +2770,7 @@
           <a:p>
             <a:fld id="{CB151F00-3264-D74A-9603-89B73FD0711A}" type="datetimeFigureOut">
               <a:rPr lang="en-US" smtClean="0"/>
-              <a:t>7/25/2017</a:t>
+              <a:t>7/26/2017</a:t>
             </a:fld>
             <a:endParaRPr lang="en-US"/>
           </a:p>
@@ -3044,7 +3045,7 @@
           <a:p>
             <a:fld id="{CB151F00-3264-D74A-9603-89B73FD0711A}" type="datetimeFigureOut">
               <a:rPr lang="en-US" smtClean="0"/>
-              <a:t>7/25/2017</a:t>
+              <a:t>7/26/2017</a:t>
             </a:fld>
             <a:endParaRPr lang="en-US"/>
           </a:p>
@@ -3212,7 +3213,7 @@
           <a:p>
             <a:fld id="{49DBEA4D-F3C4-4046-BB47-FCB1207B26B3}" type="datetimeFigureOut">
               <a:rPr lang="en-US" smtClean="0"/>
-              <a:t>7/25/2017</a:t>
+              <a:t>7/26/2017</a:t>
             </a:fld>
             <a:endParaRPr lang="en-US"/>
           </a:p>
@@ -3464,7 +3465,7 @@
           <a:p>
             <a:fld id="{CB151F00-3264-D74A-9603-89B73FD0711A}" type="datetimeFigureOut">
               <a:rPr lang="en-US" smtClean="0"/>
-              <a:t>7/25/2017</a:t>
+              <a:t>7/26/2017</a:t>
             </a:fld>
             <a:endParaRPr lang="en-US"/>
           </a:p>
@@ -3632,7 +3633,7 @@
           <a:p>
             <a:fld id="{CB151F00-3264-D74A-9603-89B73FD0711A}" type="datetimeFigureOut">
               <a:rPr lang="en-US" smtClean="0"/>
-              <a:t>7/25/2017</a:t>
+              <a:t>7/26/2017</a:t>
             </a:fld>
             <a:endParaRPr lang="en-US"/>
           </a:p>
@@ -3810,7 +3811,7 @@
           <a:p>
             <a:fld id="{CB151F00-3264-D74A-9603-89B73FD0711A}" type="datetimeFigureOut">
               <a:rPr lang="en-US" smtClean="0"/>
-              <a:t>7/25/2017</a:t>
+              <a:t>7/26/2017</a:t>
             </a:fld>
             <a:endParaRPr lang="en-US"/>
           </a:p>
@@ -4055,7 +4056,7 @@
           <a:p>
             <a:fld id="{49DBEA4D-F3C4-4046-BB47-FCB1207B26B3}" type="datetimeFigureOut">
               <a:rPr lang="en-US" smtClean="0"/>
-              <a:t>7/25/2017</a:t>
+              <a:t>7/26/2017</a:t>
             </a:fld>
             <a:endParaRPr lang="en-US"/>
           </a:p>
@@ -4340,7 +4341,7 @@
           <a:p>
             <a:fld id="{49DBEA4D-F3C4-4046-BB47-FCB1207B26B3}" type="datetimeFigureOut">
               <a:rPr lang="en-US" smtClean="0"/>
-              <a:t>7/25/2017</a:t>
+              <a:t>7/26/2017</a:t>
             </a:fld>
             <a:endParaRPr lang="en-US"/>
           </a:p>
@@ -4759,7 +4760,7 @@
           <a:p>
             <a:fld id="{49DBEA4D-F3C4-4046-BB47-FCB1207B26B3}" type="datetimeFigureOut">
               <a:rPr lang="en-US" smtClean="0"/>
-              <a:t>7/25/2017</a:t>
+              <a:t>7/26/2017</a:t>
             </a:fld>
             <a:endParaRPr lang="en-US"/>
           </a:p>
@@ -4876,7 +4877,7 @@
           <a:p>
             <a:fld id="{49DBEA4D-F3C4-4046-BB47-FCB1207B26B3}" type="datetimeFigureOut">
               <a:rPr lang="en-US" smtClean="0"/>
-              <a:t>7/25/2017</a:t>
+              <a:t>7/26/2017</a:t>
             </a:fld>
             <a:endParaRPr lang="en-US"/>
           </a:p>
@@ -4971,7 +4972,7 @@
           <a:p>
             <a:fld id="{49DBEA4D-F3C4-4046-BB47-FCB1207B26B3}" type="datetimeFigureOut">
               <a:rPr lang="en-US" smtClean="0"/>
-              <a:t>7/25/2017</a:t>
+              <a:t>7/26/2017</a:t>
             </a:fld>
             <a:endParaRPr lang="en-US"/>
           </a:p>
@@ -5246,7 +5247,7 @@
           <a:p>
             <a:fld id="{49DBEA4D-F3C4-4046-BB47-FCB1207B26B3}" type="datetimeFigureOut">
               <a:rPr lang="en-US" smtClean="0"/>
-              <a:t>7/25/2017</a:t>
+              <a:t>7/26/2017</a:t>
             </a:fld>
             <a:endParaRPr lang="en-US"/>
           </a:p>
@@ -5498,7 +5499,7 @@
           <a:p>
             <a:fld id="{49DBEA4D-F3C4-4046-BB47-FCB1207B26B3}" type="datetimeFigureOut">
               <a:rPr lang="en-US" smtClean="0"/>
-              <a:t>7/25/2017</a:t>
+              <a:t>7/26/2017</a:t>
             </a:fld>
             <a:endParaRPr lang="en-US"/>
           </a:p>
@@ -5715,7 +5716,7 @@
           <a:p>
             <a:fld id="{49DBEA4D-F3C4-4046-BB47-FCB1207B26B3}" type="datetimeFigureOut">
               <a:rPr lang="en-US" smtClean="0"/>
-              <a:t>7/25/2017</a:t>
+              <a:t>7/26/2017</a:t>
             </a:fld>
             <a:endParaRPr lang="en-US"/>
           </a:p>
@@ -6229,7 +6230,7 @@
           <a:p>
             <a:fld id="{CB151F00-3264-D74A-9603-89B73FD0711A}" type="datetimeFigureOut">
               <a:rPr lang="en-US" smtClean="0"/>
-              <a:t>7/25/2017</a:t>
+              <a:t>7/26/2017</a:t>
             </a:fld>
             <a:endParaRPr lang="en-US"/>
           </a:p>
@@ -6828,15 +6829,27 @@
         <p:spPr/>
         <p:txBody>
           <a:bodyPr>
-            <a:normAutofit fontScale="90000"/>
+            <a:noAutofit/>
           </a:bodyPr>
           <a:lstStyle/>
           <a:p>
             <a:r>
-              <a:rPr lang="en-US" dirty="0" smtClean="0"/>
+              <a:rPr lang="en-US" sz="3500" b="1" dirty="0">
+                <a:solidFill>
+                  <a:schemeClr val="accent1"/>
+                </a:solidFill>
+                <a:latin typeface="Times New Roman" panose="02020603050405020304" pitchFamily="18" charset="0"/>
+                <a:cs typeface="Times New Roman" panose="02020603050405020304" pitchFamily="18" charset="0"/>
+              </a:rPr>
               <a:t>Classification using Random Forest and Naïve Bayes</a:t>
             </a:r>
-            <a:endParaRPr lang="en-US" dirty="0"/>
+            <a:endParaRPr lang="en-US" sz="3500" b="1" dirty="0">
+              <a:solidFill>
+                <a:schemeClr val="accent1"/>
+              </a:solidFill>
+              <a:latin typeface="Times New Roman" panose="02020603050405020304" pitchFamily="18" charset="0"/>
+              <a:cs typeface="Times New Roman" panose="02020603050405020304" pitchFamily="18" charset="0"/>
+            </a:endParaRPr>
           </a:p>
         </p:txBody>
       </p:sp>
@@ -6850,7 +6863,7 @@
             <p:ph idx="1"/>
           </p:nvPr>
         </p:nvPicPr>
-        <p:blipFill>
+        <p:blipFill rotWithShape="1">
           <a:blip r:embed="rId2">
             <a:extLst>
               <a:ext uri="{28A0092B-C50C-407E-A947-70E740481C1C}">
@@ -6858,14 +6871,13 @@
               </a:ext>
             </a:extLst>
           </a:blip>
-          <a:stretch>
-            <a:fillRect/>
-          </a:stretch>
+          <a:srcRect t="56429" b="-46429"/>
+          <a:stretch/>
         </p:blipFill>
         <p:spPr>
           <a:xfrm>
             <a:off x="1209040" y="2786221"/>
-            <a:ext cx="2336800" cy="1422400"/>
+            <a:ext cx="2336800" cy="1280160"/>
           </a:xfrm>
         </p:spPr>
       </p:pic>
@@ -6933,7 +6945,7 @@
           </p:cNvPicPr>
           <p:nvPr/>
         </p:nvPicPr>
-        <p:blipFill>
+        <p:blipFill rotWithShape="1">
           <a:blip r:embed="rId3">
             <a:extLst>
               <a:ext uri="{28A0092B-C50C-407E-A947-70E740481C1C}">
@@ -6941,9 +6953,8 @@
               </a:ext>
             </a:extLst>
           </a:blip>
-          <a:stretch>
-            <a:fillRect/>
-          </a:stretch>
+          <a:srcRect t="60000" b="-60000"/>
+          <a:stretch/>
         </p:blipFill>
         <p:spPr>
           <a:xfrm>
@@ -7220,6 +7231,112 @@
             <p:ph type="title"/>
           </p:nvPr>
         </p:nvSpPr>
+        <p:spPr/>
+        <p:txBody>
+          <a:bodyPr/>
+          <a:lstStyle/>
+          <a:p>
+            <a:r>
+              <a:rPr lang="en-US" dirty="0" smtClean="0"/>
+              <a:t>With BBC news dataset</a:t>
+            </a:r>
+            <a:endParaRPr lang="en-US" dirty="0"/>
+          </a:p>
+        </p:txBody>
+      </p:sp>
+      <p:sp>
+        <p:nvSpPr>
+          <p:cNvPr id="3" name="Content Placeholder 2"/>
+          <p:cNvSpPr>
+            <a:spLocks noGrp="1"/>
+          </p:cNvSpPr>
+          <p:nvPr>
+            <p:ph idx="1"/>
+          </p:nvPr>
+        </p:nvSpPr>
+        <p:spPr/>
+        <p:txBody>
+          <a:bodyPr/>
+          <a:lstStyle/>
+          <a:p>
+            <a:r>
+              <a:rPr lang="en-US" dirty="0" smtClean="0"/>
+              <a:t>Our Q/A model was successful</a:t>
+            </a:r>
+            <a:endParaRPr lang="en-US" dirty="0"/>
+          </a:p>
+        </p:txBody>
+      </p:sp>
+      <p:pic>
+        <p:nvPicPr>
+          <p:cNvPr id="4" name="Picture 3"/>
+          <p:cNvPicPr>
+            <a:picLocks noChangeAspect="1"/>
+          </p:cNvPicPr>
+          <p:nvPr/>
+        </p:nvPicPr>
+        <p:blipFill>
+          <a:blip r:embed="rId2">
+            <a:extLst>
+              <a:ext uri="{28A0092B-C50C-407E-A947-70E740481C1C}">
+                <a14:useLocalDpi xmlns:a14="http://schemas.microsoft.com/office/drawing/2010/main" val="0"/>
+              </a:ext>
+            </a:extLst>
+          </a:blip>
+          <a:stretch>
+            <a:fillRect/>
+          </a:stretch>
+        </p:blipFill>
+        <p:spPr>
+          <a:xfrm>
+            <a:off x="375384" y="2627697"/>
+            <a:ext cx="7825339" cy="3282215"/>
+          </a:xfrm>
+          <a:prstGeom prst="rect">
+            <a:avLst/>
+          </a:prstGeom>
+        </p:spPr>
+      </p:pic>
+    </p:spTree>
+    <p:extLst>
+      <p:ext uri="{BB962C8B-B14F-4D97-AF65-F5344CB8AC3E}">
+        <p14:creationId xmlns:p14="http://schemas.microsoft.com/office/powerpoint/2010/main" val="2126127370"/>
+      </p:ext>
+    </p:extLst>
+  </p:cSld>
+  <p:clrMapOvr>
+    <a:masterClrMapping/>
+  </p:clrMapOvr>
+</p:sld>
+</file>
+
+<file path=ppt/slides/slide14.xml><?xml version="1.0" encoding="utf-8"?>
+<p:sld xmlns:a="http://schemas.openxmlformats.org/drawingml/2006/main" xmlns:r="http://schemas.openxmlformats.org/officeDocument/2006/relationships" xmlns:p="http://schemas.openxmlformats.org/presentationml/2006/main">
+  <p:cSld>
+    <p:spTree>
+      <p:nvGrpSpPr>
+        <p:cNvPr id="1" name=""/>
+        <p:cNvGrpSpPr/>
+        <p:nvPr/>
+      </p:nvGrpSpPr>
+      <p:grpSpPr>
+        <a:xfrm>
+          <a:off x="0" y="0"/>
+          <a:ext cx="0" cy="0"/>
+          <a:chOff x="0" y="0"/>
+          <a:chExt cx="0" cy="0"/>
+        </a:xfrm>
+      </p:grpSpPr>
+      <p:sp>
+        <p:nvSpPr>
+          <p:cNvPr id="2" name="Title 1"/>
+          <p:cNvSpPr>
+            <a:spLocks noGrp="1"/>
+          </p:cNvSpPr>
+          <p:nvPr>
+            <p:ph type="title"/>
+          </p:nvPr>
+        </p:nvSpPr>
         <p:spPr>
           <a:xfrm>
             <a:off x="255070" y="0"/>
@@ -7284,8 +7401,23 @@
                 </a:solidFill>
                 <a:latin typeface="+mn-lt"/>
               </a:rPr>
-              <a:t>How to treat where all classes of one package are treated</a:t>
-            </a:r>
+              <a:t>How to treat </a:t>
+            </a:r>
+            <a:r>
+              <a:rPr lang="en-US" sz="2400" dirty="0" smtClean="0">
+                <a:solidFill>
+                  <a:schemeClr val="accent1"/>
+                </a:solidFill>
+                <a:latin typeface="+mn-lt"/>
+              </a:rPr>
+              <a:t>inner classes</a:t>
+            </a:r>
+            <a:endParaRPr lang="en-US" sz="2400" dirty="0" smtClean="0">
+              <a:solidFill>
+                <a:schemeClr val="accent1"/>
+              </a:solidFill>
+              <a:latin typeface="+mn-lt"/>
+            </a:endParaRPr>
           </a:p>
           <a:p>
             <a:r>
@@ -7297,6 +7429,28 @@
               </a:rPr>
               <a:t>What about other members of python file ?How to extract information from them. </a:t>
             </a:r>
+            <a:endParaRPr lang="en-US" sz="2400" dirty="0" smtClean="0">
+              <a:solidFill>
+                <a:schemeClr val="accent1"/>
+              </a:solidFill>
+              <a:latin typeface="+mn-lt"/>
+            </a:endParaRPr>
+          </a:p>
+          <a:p>
+            <a:r>
+              <a:rPr lang="en-US" sz="2400" dirty="0" smtClean="0">
+                <a:solidFill>
+                  <a:schemeClr val="accent1"/>
+                </a:solidFill>
+                <a:latin typeface="+mn-lt"/>
+              </a:rPr>
+              <a:t>How to work with complex ontology with more than 1000 individuals</a:t>
+            </a:r>
+          </a:p>
+          <a:p>
+            <a:pPr marL="0" indent="0">
+              <a:buNone/>
+            </a:pPr>
             <a:endParaRPr lang="en-US" sz="2400" dirty="0">
               <a:solidFill>
                 <a:schemeClr val="accent1"/>
@@ -7367,7 +7521,7 @@
 </p:sld>
 </file>
 
-<file path=ppt/slides/slide14.xml><?xml version="1.0" encoding="utf-8"?>
+<file path=ppt/slides/slide15.xml><?xml version="1.0" encoding="utf-8"?>
 <p:sld xmlns:a="http://schemas.openxmlformats.org/drawingml/2006/main" xmlns:r="http://schemas.openxmlformats.org/officeDocument/2006/relationships" xmlns:p="http://schemas.openxmlformats.org/presentationml/2006/main">
   <p:cSld>
     <p:spTree>
@@ -7389,7 +7543,7 @@
           <p:cNvPr id="1028" name="Picture 4" descr="https://community.uservoice.com/wp-content/uploads/benefits-of-effective-questions-800x448-300x168.jpg">
             <a:extLst>
               <a:ext uri="{FF2B5EF4-FFF2-40B4-BE49-F238E27FC236}">
-                <a16:creationId xmlns:a16="http://schemas.microsoft.com/office/drawing/2014/main" xmlns="" id="{A236FD02-B602-40D8-A828-C14BB7BF2312}"/>
+                <a16:creationId xmlns="" xmlns:a16="http://schemas.microsoft.com/office/drawing/2014/main" id="{A236FD02-B602-40D8-A828-C14BB7BF2312}"/>
               </a:ext>
             </a:extLst>
           </p:cNvPr>
@@ -7451,7 +7605,7 @@
 </p:sld>
 </file>
 
-<file path=ppt/slides/slide15.xml><?xml version="1.0" encoding="utf-8"?>
+<file path=ppt/slides/slide16.xml><?xml version="1.0" encoding="utf-8"?>
 <p:sld xmlns:a="http://schemas.openxmlformats.org/drawingml/2006/main" xmlns:r="http://schemas.openxmlformats.org/officeDocument/2006/relationships" xmlns:p="http://schemas.openxmlformats.org/presentationml/2006/main">
   <p:cSld>
     <p:spTree>
@@ -7473,7 +7627,7 @@
           <p:cNvPr id="2050" name="Picture 2" descr="http://www.arvindbajajjackpotking.com/wp-content/uploads/2017/01/thank-you-394180_960_720.png">
             <a:extLst>
               <a:ext uri="{FF2B5EF4-FFF2-40B4-BE49-F238E27FC236}">
-                <a16:creationId xmlns:a16="http://schemas.microsoft.com/office/drawing/2014/main" xmlns="" id="{C260BA95-524E-48F8-A8FE-2ABF4A0CD53E}"/>
+                <a16:creationId xmlns="" xmlns:a16="http://schemas.microsoft.com/office/drawing/2014/main" id="{C260BA95-524E-48F8-A8FE-2ABF4A0CD53E}"/>
               </a:ext>
             </a:extLst>
           </p:cNvPr>
@@ -7670,13 +7824,6 @@
               </a:rPr>
               <a:t>Dataset Creation</a:t>
             </a:r>
-            <a:endParaRPr lang="en-US" sz="2500" b="1" dirty="0" smtClean="0">
-              <a:solidFill>
-                <a:schemeClr val="accent1"/>
-              </a:solidFill>
-              <a:latin typeface="Times New Roman" panose="02020603050405020304" pitchFamily="18" charset="0"/>
-              <a:cs typeface="Times New Roman" panose="02020603050405020304" pitchFamily="18" charset="0"/>
-            </a:endParaRPr>
           </a:p>
           <a:p>
             <a:r>
@@ -7689,13 +7836,6 @@
               </a:rPr>
               <a:t>Screenshots</a:t>
             </a:r>
-            <a:endParaRPr lang="en-US" sz="2500" b="1" dirty="0" smtClean="0">
-              <a:solidFill>
-                <a:schemeClr val="accent1"/>
-              </a:solidFill>
-              <a:latin typeface="Times New Roman" panose="02020603050405020304" pitchFamily="18" charset="0"/>
-              <a:cs typeface="Times New Roman" panose="02020603050405020304" pitchFamily="18" charset="0"/>
-            </a:endParaRPr>
           </a:p>
           <a:p>
             <a:r>
@@ -8303,7 +8443,7 @@
           <p:cNvPr id="4" name="Picture 3" descr="Image result for JAVA">
             <a:extLst>
               <a:ext uri="{FF2B5EF4-FFF2-40B4-BE49-F238E27FC236}">
-                <a16:creationId xmlns="" xmlns:a16="http://schemas.microsoft.com/office/drawing/2014/main" xmlns:lc="http://schemas.openxmlformats.org/drawingml/2006/lockedCanvas" id="{4B77E8A4-296D-4F9D-AF4B-835821B8E6E7}"/>
+                <a16:creationId xmlns:lc="http://schemas.openxmlformats.org/drawingml/2006/lockedCanvas" xmlns:a16="http://schemas.microsoft.com/office/drawing/2014/main" xmlns="" id="{4B77E8A4-296D-4F9D-AF4B-835821B8E6E7}"/>
               </a:ext>
             </a:extLst>
           </p:cNvPr>
@@ -8377,7 +8517,7 @@
           <p:cNvPr id="6" name="Picture 5" descr="Image result for scala">
             <a:extLst>
               <a:ext uri="{FF2B5EF4-FFF2-40B4-BE49-F238E27FC236}">
-                <a16:creationId xmlns="" xmlns:a16="http://schemas.microsoft.com/office/drawing/2014/main" xmlns:lc="http://schemas.openxmlformats.org/drawingml/2006/lockedCanvas" id="{349DD724-AB20-4BBF-BBD8-78A078BE40FE}"/>
+                <a16:creationId xmlns:lc="http://schemas.openxmlformats.org/drawingml/2006/lockedCanvas" xmlns:a16="http://schemas.microsoft.com/office/drawing/2014/main" xmlns="" id="{349DD724-AB20-4BBF-BBD8-78A078BE40FE}"/>
               </a:ext>
             </a:extLst>
           </p:cNvPr>
@@ -8422,7 +8562,7 @@
           <p:cNvPr id="7" name="Picture 6" descr="Image result for protege">
             <a:extLst>
               <a:ext uri="{FF2B5EF4-FFF2-40B4-BE49-F238E27FC236}">
-                <a16:creationId xmlns="" xmlns:a16="http://schemas.microsoft.com/office/drawing/2014/main" xmlns:lc="http://schemas.openxmlformats.org/drawingml/2006/lockedCanvas" id="{2CC34A2E-E5B8-41AC-A26C-8B732D251BD7}"/>
+                <a16:creationId xmlns:lc="http://schemas.openxmlformats.org/drawingml/2006/lockedCanvas" xmlns:a16="http://schemas.microsoft.com/office/drawing/2014/main" xmlns="" id="{2CC34A2E-E5B8-41AC-A26C-8B732D251BD7}"/>
               </a:ext>
             </a:extLst>
           </p:cNvPr>
@@ -8467,7 +8607,7 @@
           <p:cNvPr id="8" name="Picture 7" descr="Image result for intellij">
             <a:extLst>
               <a:ext uri="{FF2B5EF4-FFF2-40B4-BE49-F238E27FC236}">
-                <a16:creationId xmlns="" xmlns:a16="http://schemas.microsoft.com/office/drawing/2014/main" xmlns:lc="http://schemas.openxmlformats.org/drawingml/2006/lockedCanvas" id="{A05ED455-933B-4879-A68C-E73671F3FA13}"/>
+                <a16:creationId xmlns:lc="http://schemas.openxmlformats.org/drawingml/2006/lockedCanvas" xmlns:a16="http://schemas.microsoft.com/office/drawing/2014/main" xmlns="" id="{A05ED455-933B-4879-A68C-E73671F3FA13}"/>
               </a:ext>
             </a:extLst>
           </p:cNvPr>
@@ -8547,7 +8687,12 @@
             <p:ph type="title"/>
           </p:nvPr>
         </p:nvSpPr>
-        <p:spPr/>
+        <p:spPr>
+          <a:xfrm>
+            <a:off x="457200" y="254979"/>
+            <a:ext cx="8229600" cy="1143000"/>
+          </a:xfrm>
+        </p:spPr>
         <p:txBody>
           <a:bodyPr>
             <a:normAutofit/>
@@ -8572,103 +8717,736 @@
           </a:p>
         </p:txBody>
       </p:sp>
-      <p:sp>
-        <p:nvSpPr>
-          <p:cNvPr id="6" name="Rectangle 5"/>
-          <p:cNvSpPr/>
+      <p:grpSp>
+        <p:nvGrpSpPr>
+          <p:cNvPr id="2" name="Group 1"/>
+          <p:cNvGrpSpPr/>
           <p:nvPr/>
-        </p:nvSpPr>
-        <p:spPr>
+        </p:nvGrpSpPr>
+        <p:grpSpPr>
           <a:xfrm>
-            <a:off x="457200" y="1684421"/>
-            <a:ext cx="2295625" cy="664143"/>
+            <a:off x="150393" y="1383541"/>
+            <a:ext cx="8701238" cy="5075404"/>
+            <a:chOff x="221380" y="1397979"/>
+            <a:chExt cx="8701238" cy="5075404"/>
           </a:xfrm>
-          <a:prstGeom prst="rect">
-            <a:avLst/>
-          </a:prstGeom>
-        </p:spPr>
-        <p:style>
-          <a:lnRef idx="1">
-            <a:schemeClr val="accent1"/>
-          </a:lnRef>
-          <a:fillRef idx="3">
-            <a:schemeClr val="accent1"/>
-          </a:fillRef>
-          <a:effectRef idx="2">
-            <a:schemeClr val="accent1"/>
-          </a:effectRef>
-          <a:fontRef idx="minor">
-            <a:schemeClr val="lt1"/>
-          </a:fontRef>
-        </p:style>
-        <p:txBody>
-          <a:bodyPr rtlCol="0" anchor="ctr"/>
-          <a:lstStyle/>
-          <a:p>
-            <a:pPr algn="ctr"/>
-            <a:r>
-              <a:rPr lang="en-US" dirty="0" smtClean="0"/>
-              <a:t>RAW DATA</a:t>
-            </a:r>
-            <a:endParaRPr lang="en-US" dirty="0"/>
-          </a:p>
-        </p:txBody>
-      </p:sp>
-      <p:sp>
-        <p:nvSpPr>
-          <p:cNvPr id="7" name="Rectangle 6"/>
-          <p:cNvSpPr/>
-          <p:nvPr/>
-        </p:nvSpPr>
-        <p:spPr>
-          <a:xfrm>
-            <a:off x="3424187" y="1673191"/>
-            <a:ext cx="2295625" cy="664143"/>
-          </a:xfrm>
-          <a:prstGeom prst="rect">
-            <a:avLst/>
-          </a:prstGeom>
-        </p:spPr>
-        <p:style>
-          <a:lnRef idx="1">
-            <a:schemeClr val="accent1"/>
-          </a:lnRef>
-          <a:fillRef idx="3">
-            <a:schemeClr val="accent1"/>
-          </a:fillRef>
-          <a:effectRef idx="2">
-            <a:schemeClr val="accent1"/>
-          </a:effectRef>
-          <a:fontRef idx="minor">
-            <a:schemeClr val="lt1"/>
-          </a:fontRef>
-        </p:style>
-        <p:txBody>
-          <a:bodyPr rtlCol="0" anchor="ctr"/>
-          <a:lstStyle/>
-          <a:p>
-            <a:pPr algn="ctr"/>
-            <a:r>
-              <a:rPr lang="en-US" dirty="0" smtClean="0"/>
-              <a:t>NLP</a:t>
-            </a:r>
-            <a:endParaRPr lang="en-US" dirty="0"/>
-          </a:p>
-        </p:txBody>
-      </p:sp>
+        </p:grpSpPr>
+        <p:sp>
+          <p:nvSpPr>
+            <p:cNvPr id="6" name="Rectangle 5"/>
+            <p:cNvSpPr/>
+            <p:nvPr/>
+          </p:nvSpPr>
+          <p:spPr>
+            <a:xfrm>
+              <a:off x="457200" y="1684421"/>
+              <a:ext cx="2295625" cy="664143"/>
+            </a:xfrm>
+            <a:prstGeom prst="rect">
+              <a:avLst/>
+            </a:prstGeom>
+          </p:spPr>
+          <p:style>
+            <a:lnRef idx="1">
+              <a:schemeClr val="accent1"/>
+            </a:lnRef>
+            <a:fillRef idx="3">
+              <a:schemeClr val="accent1"/>
+            </a:fillRef>
+            <a:effectRef idx="2">
+              <a:schemeClr val="accent1"/>
+            </a:effectRef>
+            <a:fontRef idx="minor">
+              <a:schemeClr val="lt1"/>
+            </a:fontRef>
+          </p:style>
+          <p:txBody>
+            <a:bodyPr rtlCol="0" anchor="ctr"/>
+            <a:lstStyle/>
+            <a:p>
+              <a:pPr algn="ctr"/>
+              <a:r>
+                <a:rPr lang="en-US" dirty="0" smtClean="0"/>
+                <a:t>RAW DATA</a:t>
+              </a:r>
+              <a:endParaRPr lang="en-US" dirty="0"/>
+            </a:p>
+          </p:txBody>
+        </p:sp>
+        <p:sp>
+          <p:nvSpPr>
+            <p:cNvPr id="7" name="Rectangle 6"/>
+            <p:cNvSpPr/>
+            <p:nvPr/>
+          </p:nvSpPr>
+          <p:spPr>
+            <a:xfrm>
+              <a:off x="3424187" y="1673191"/>
+              <a:ext cx="1147813" cy="664143"/>
+            </a:xfrm>
+            <a:prstGeom prst="rect">
+              <a:avLst/>
+            </a:prstGeom>
+          </p:spPr>
+          <p:style>
+            <a:lnRef idx="1">
+              <a:schemeClr val="accent1"/>
+            </a:lnRef>
+            <a:fillRef idx="3">
+              <a:schemeClr val="accent1"/>
+            </a:fillRef>
+            <a:effectRef idx="2">
+              <a:schemeClr val="accent1"/>
+            </a:effectRef>
+            <a:fontRef idx="minor">
+              <a:schemeClr val="lt1"/>
+            </a:fontRef>
+          </p:style>
+          <p:txBody>
+            <a:bodyPr rtlCol="0" anchor="ctr"/>
+            <a:lstStyle/>
+            <a:p>
+              <a:pPr algn="ctr"/>
+              <a:r>
+                <a:rPr lang="en-US" dirty="0" smtClean="0"/>
+                <a:t>NLP</a:t>
+              </a:r>
+              <a:endParaRPr lang="en-US" dirty="0"/>
+            </a:p>
+          </p:txBody>
+        </p:sp>
+        <p:cxnSp>
+          <p:nvCxnSpPr>
+            <p:cNvPr id="9" name="Straight Arrow Connector 8"/>
+            <p:cNvCxnSpPr>
+              <a:stCxn id="6" idx="3"/>
+              <a:endCxn id="7" idx="1"/>
+            </p:cNvCxnSpPr>
+            <p:nvPr/>
+          </p:nvCxnSpPr>
+          <p:spPr>
+            <a:xfrm flipV="1">
+              <a:off x="2752825" y="2005263"/>
+              <a:ext cx="671362" cy="11230"/>
+            </a:xfrm>
+            <a:prstGeom prst="straightConnector1">
+              <a:avLst/>
+            </a:prstGeom>
+            <a:ln>
+              <a:tailEnd type="triangle"/>
+            </a:ln>
+          </p:spPr>
+          <p:style>
+            <a:lnRef idx="2">
+              <a:schemeClr val="accent1"/>
+            </a:lnRef>
+            <a:fillRef idx="0">
+              <a:schemeClr val="accent1"/>
+            </a:fillRef>
+            <a:effectRef idx="1">
+              <a:schemeClr val="accent1"/>
+            </a:effectRef>
+            <a:fontRef idx="minor">
+              <a:schemeClr val="tx1"/>
+            </a:fontRef>
+          </p:style>
+        </p:cxnSp>
+        <p:cxnSp>
+          <p:nvCxnSpPr>
+            <p:cNvPr id="11" name="Straight Arrow Connector 10"/>
+            <p:cNvCxnSpPr>
+              <a:stCxn id="7" idx="3"/>
+            </p:cNvCxnSpPr>
+            <p:nvPr/>
+          </p:nvCxnSpPr>
+          <p:spPr>
+            <a:xfrm>
+              <a:off x="4572000" y="2005263"/>
+              <a:ext cx="1751798" cy="0"/>
+            </a:xfrm>
+            <a:prstGeom prst="straightConnector1">
+              <a:avLst/>
+            </a:prstGeom>
+            <a:ln>
+              <a:tailEnd type="triangle"/>
+            </a:ln>
+          </p:spPr>
+          <p:style>
+            <a:lnRef idx="2">
+              <a:schemeClr val="accent1"/>
+            </a:lnRef>
+            <a:fillRef idx="0">
+              <a:schemeClr val="accent1"/>
+            </a:fillRef>
+            <a:effectRef idx="1">
+              <a:schemeClr val="accent1"/>
+            </a:effectRef>
+            <a:fontRef idx="minor">
+              <a:schemeClr val="tx1"/>
+            </a:fontRef>
+          </p:style>
+        </p:cxnSp>
+        <p:sp>
+          <p:nvSpPr>
+            <p:cNvPr id="12" name="Rectangle 11"/>
+            <p:cNvSpPr/>
+            <p:nvPr/>
+          </p:nvSpPr>
+          <p:spPr>
+            <a:xfrm>
+              <a:off x="6323798" y="1673190"/>
+              <a:ext cx="2295625" cy="664143"/>
+            </a:xfrm>
+            <a:prstGeom prst="rect">
+              <a:avLst/>
+            </a:prstGeom>
+          </p:spPr>
+          <p:style>
+            <a:lnRef idx="1">
+              <a:schemeClr val="accent1"/>
+            </a:lnRef>
+            <a:fillRef idx="3">
+              <a:schemeClr val="accent1"/>
+            </a:fillRef>
+            <a:effectRef idx="2">
+              <a:schemeClr val="accent1"/>
+            </a:effectRef>
+            <a:fontRef idx="minor">
+              <a:schemeClr val="lt1"/>
+            </a:fontRef>
+          </p:style>
+          <p:txBody>
+            <a:bodyPr rtlCol="0" anchor="ctr"/>
+            <a:lstStyle/>
+            <a:p>
+              <a:pPr algn="ctr"/>
+              <a:r>
+                <a:rPr lang="en-US" dirty="0" smtClean="0"/>
+                <a:t>Topic Discovery</a:t>
+              </a:r>
+              <a:endParaRPr lang="en-US" dirty="0"/>
+            </a:p>
+          </p:txBody>
+        </p:sp>
+        <p:sp>
+          <p:nvSpPr>
+            <p:cNvPr id="13" name="Rectangle 12"/>
+            <p:cNvSpPr/>
+            <p:nvPr/>
+          </p:nvSpPr>
+          <p:spPr>
+            <a:xfrm>
+              <a:off x="6391175" y="2701488"/>
+              <a:ext cx="2295625" cy="664143"/>
+            </a:xfrm>
+            <a:prstGeom prst="rect">
+              <a:avLst/>
+            </a:prstGeom>
+          </p:spPr>
+          <p:style>
+            <a:lnRef idx="1">
+              <a:schemeClr val="accent1"/>
+            </a:lnRef>
+            <a:fillRef idx="3">
+              <a:schemeClr val="accent1"/>
+            </a:fillRef>
+            <a:effectRef idx="2">
+              <a:schemeClr val="accent1"/>
+            </a:effectRef>
+            <a:fontRef idx="minor">
+              <a:schemeClr val="lt1"/>
+            </a:fontRef>
+          </p:style>
+          <p:txBody>
+            <a:bodyPr rtlCol="0" anchor="ctr"/>
+            <a:lstStyle/>
+            <a:p>
+              <a:pPr algn="ctr"/>
+              <a:r>
+                <a:rPr lang="en-US" dirty="0" smtClean="0"/>
+                <a:t>Triplets Extraction</a:t>
+              </a:r>
+              <a:endParaRPr lang="en-US" dirty="0"/>
+            </a:p>
+          </p:txBody>
+        </p:sp>
+        <p:sp>
+          <p:nvSpPr>
+            <p:cNvPr id="14" name="Rectangle 13"/>
+            <p:cNvSpPr/>
+            <p:nvPr/>
+          </p:nvSpPr>
+          <p:spPr>
+            <a:xfrm>
+              <a:off x="457200" y="4961823"/>
+              <a:ext cx="2295625" cy="664143"/>
+            </a:xfrm>
+            <a:prstGeom prst="rect">
+              <a:avLst/>
+            </a:prstGeom>
+          </p:spPr>
+          <p:style>
+            <a:lnRef idx="1">
+              <a:schemeClr val="accent1"/>
+            </a:lnRef>
+            <a:fillRef idx="3">
+              <a:schemeClr val="accent1"/>
+            </a:fillRef>
+            <a:effectRef idx="2">
+              <a:schemeClr val="accent1"/>
+            </a:effectRef>
+            <a:fontRef idx="minor">
+              <a:schemeClr val="lt1"/>
+            </a:fontRef>
+          </p:style>
+          <p:txBody>
+            <a:bodyPr rtlCol="0" anchor="ctr"/>
+            <a:lstStyle/>
+            <a:p>
+              <a:pPr algn="ctr"/>
+              <a:r>
+                <a:rPr lang="en-US" dirty="0" smtClean="0"/>
+                <a:t>Question</a:t>
+              </a:r>
+              <a:endParaRPr lang="en-US" dirty="0"/>
+            </a:p>
+          </p:txBody>
+        </p:sp>
+        <p:cxnSp>
+          <p:nvCxnSpPr>
+            <p:cNvPr id="16" name="Straight Arrow Connector 15"/>
+            <p:cNvCxnSpPr>
+              <a:endCxn id="13" idx="1"/>
+            </p:cNvCxnSpPr>
+            <p:nvPr/>
+          </p:nvCxnSpPr>
+          <p:spPr>
+            <a:xfrm>
+              <a:off x="5062888" y="2348564"/>
+              <a:ext cx="1328287" cy="684996"/>
+            </a:xfrm>
+            <a:prstGeom prst="straightConnector1">
+              <a:avLst/>
+            </a:prstGeom>
+            <a:ln>
+              <a:tailEnd type="triangle"/>
+            </a:ln>
+          </p:spPr>
+          <p:style>
+            <a:lnRef idx="2">
+              <a:schemeClr val="accent1"/>
+            </a:lnRef>
+            <a:fillRef idx="0">
+              <a:schemeClr val="accent1"/>
+            </a:fillRef>
+            <a:effectRef idx="1">
+              <a:schemeClr val="accent1"/>
+            </a:effectRef>
+            <a:fontRef idx="minor">
+              <a:schemeClr val="tx1"/>
+            </a:fontRef>
+          </p:style>
+        </p:cxnSp>
+        <p:sp>
+          <p:nvSpPr>
+            <p:cNvPr id="18" name="Rectangle 17"/>
+            <p:cNvSpPr/>
+            <p:nvPr/>
+          </p:nvSpPr>
+          <p:spPr>
+            <a:xfrm>
+              <a:off x="6391175" y="3718555"/>
+              <a:ext cx="2295625" cy="664143"/>
+            </a:xfrm>
+            <a:prstGeom prst="rect">
+              <a:avLst/>
+            </a:prstGeom>
+          </p:spPr>
+          <p:style>
+            <a:lnRef idx="1">
+              <a:schemeClr val="accent1"/>
+            </a:lnRef>
+            <a:fillRef idx="3">
+              <a:schemeClr val="accent1"/>
+            </a:fillRef>
+            <a:effectRef idx="2">
+              <a:schemeClr val="accent1"/>
+            </a:effectRef>
+            <a:fontRef idx="minor">
+              <a:schemeClr val="lt1"/>
+            </a:fontRef>
+          </p:style>
+          <p:txBody>
+            <a:bodyPr rtlCol="0" anchor="ctr"/>
+            <a:lstStyle/>
+            <a:p>
+              <a:pPr algn="ctr"/>
+              <a:r>
+                <a:rPr lang="en-US" dirty="0" smtClean="0"/>
+                <a:t>Ontology Creation</a:t>
+              </a:r>
+              <a:endParaRPr lang="en-US" dirty="0"/>
+            </a:p>
+          </p:txBody>
+        </p:sp>
+        <p:cxnSp>
+          <p:nvCxnSpPr>
+            <p:cNvPr id="20" name="Straight Arrow Connector 19"/>
+            <p:cNvCxnSpPr>
+              <a:stCxn id="7" idx="2"/>
+              <a:endCxn id="18" idx="1"/>
+            </p:cNvCxnSpPr>
+            <p:nvPr/>
+          </p:nvCxnSpPr>
+          <p:spPr>
+            <a:xfrm>
+              <a:off x="3998094" y="2337334"/>
+              <a:ext cx="2393081" cy="1713293"/>
+            </a:xfrm>
+            <a:prstGeom prst="straightConnector1">
+              <a:avLst/>
+            </a:prstGeom>
+            <a:ln>
+              <a:tailEnd type="triangle"/>
+            </a:ln>
+          </p:spPr>
+          <p:style>
+            <a:lnRef idx="2">
+              <a:schemeClr val="accent1"/>
+            </a:lnRef>
+            <a:fillRef idx="0">
+              <a:schemeClr val="accent1"/>
+            </a:fillRef>
+            <a:effectRef idx="1">
+              <a:schemeClr val="accent1"/>
+            </a:effectRef>
+            <a:fontRef idx="minor">
+              <a:schemeClr val="tx1"/>
+            </a:fontRef>
+          </p:style>
+        </p:cxnSp>
+        <p:sp>
+          <p:nvSpPr>
+            <p:cNvPr id="21" name="Rectangle 20"/>
+            <p:cNvSpPr/>
+            <p:nvPr/>
+          </p:nvSpPr>
+          <p:spPr>
+            <a:xfrm>
+              <a:off x="221380" y="1397979"/>
+              <a:ext cx="8701238" cy="3135520"/>
+            </a:xfrm>
+            <a:prstGeom prst="rect">
+              <a:avLst/>
+            </a:prstGeom>
+            <a:noFill/>
+            <a:ln>
+              <a:solidFill>
+                <a:schemeClr val="tx1"/>
+              </a:solidFill>
+            </a:ln>
+          </p:spPr>
+          <p:style>
+            <a:lnRef idx="1">
+              <a:schemeClr val="accent1"/>
+            </a:lnRef>
+            <a:fillRef idx="3">
+              <a:schemeClr val="accent1"/>
+            </a:fillRef>
+            <a:effectRef idx="2">
+              <a:schemeClr val="accent1"/>
+            </a:effectRef>
+            <a:fontRef idx="minor">
+              <a:schemeClr val="lt1"/>
+            </a:fontRef>
+          </p:style>
+          <p:txBody>
+            <a:bodyPr rtlCol="0" anchor="ctr"/>
+            <a:lstStyle/>
+            <a:p>
+              <a:pPr algn="ctr"/>
+              <a:endParaRPr lang="en-US"/>
+            </a:p>
+          </p:txBody>
+        </p:sp>
+        <p:cxnSp>
+          <p:nvCxnSpPr>
+            <p:cNvPr id="23" name="Straight Arrow Connector 22"/>
+            <p:cNvCxnSpPr>
+              <a:stCxn id="14" idx="3"/>
+            </p:cNvCxnSpPr>
+            <p:nvPr/>
+          </p:nvCxnSpPr>
+          <p:spPr>
+            <a:xfrm flipV="1">
+              <a:off x="2752825" y="5263021"/>
+              <a:ext cx="1105703" cy="30874"/>
+            </a:xfrm>
+            <a:prstGeom prst="straightConnector1">
+              <a:avLst/>
+            </a:prstGeom>
+            <a:ln>
+              <a:tailEnd type="triangle"/>
+            </a:ln>
+          </p:spPr>
+          <p:style>
+            <a:lnRef idx="2">
+              <a:schemeClr val="accent1"/>
+            </a:lnRef>
+            <a:fillRef idx="0">
+              <a:schemeClr val="accent1"/>
+            </a:fillRef>
+            <a:effectRef idx="1">
+              <a:schemeClr val="accent1"/>
+            </a:effectRef>
+            <a:fontRef idx="minor">
+              <a:schemeClr val="tx1"/>
+            </a:fontRef>
+          </p:style>
+        </p:cxnSp>
+        <p:sp>
+          <p:nvSpPr>
+            <p:cNvPr id="24" name="Rectangle 23"/>
+            <p:cNvSpPr/>
+            <p:nvPr/>
+          </p:nvSpPr>
+          <p:spPr>
+            <a:xfrm>
+              <a:off x="3858528" y="4961823"/>
+              <a:ext cx="2295625" cy="664143"/>
+            </a:xfrm>
+            <a:prstGeom prst="rect">
+              <a:avLst/>
+            </a:prstGeom>
+          </p:spPr>
+          <p:style>
+            <a:lnRef idx="1">
+              <a:schemeClr val="accent1"/>
+            </a:lnRef>
+            <a:fillRef idx="3">
+              <a:schemeClr val="accent1"/>
+            </a:fillRef>
+            <a:effectRef idx="2">
+              <a:schemeClr val="accent1"/>
+            </a:effectRef>
+            <a:fontRef idx="minor">
+              <a:schemeClr val="lt1"/>
+            </a:fontRef>
+          </p:style>
+          <p:txBody>
+            <a:bodyPr rtlCol="0" anchor="ctr"/>
+            <a:lstStyle/>
+            <a:p>
+              <a:pPr algn="ctr"/>
+              <a:r>
+                <a:rPr lang="en-US" dirty="0" smtClean="0"/>
+                <a:t>NLP</a:t>
+              </a:r>
+              <a:endParaRPr lang="en-US" dirty="0"/>
+            </a:p>
+          </p:txBody>
+        </p:sp>
+        <p:sp>
+          <p:nvSpPr>
+            <p:cNvPr id="25" name="Rectangle 24"/>
+            <p:cNvSpPr/>
+            <p:nvPr/>
+          </p:nvSpPr>
+          <p:spPr>
+            <a:xfrm>
+              <a:off x="6598117" y="4992697"/>
+              <a:ext cx="2295625" cy="664143"/>
+            </a:xfrm>
+            <a:prstGeom prst="rect">
+              <a:avLst/>
+            </a:prstGeom>
+          </p:spPr>
+          <p:style>
+            <a:lnRef idx="1">
+              <a:schemeClr val="accent1"/>
+            </a:lnRef>
+            <a:fillRef idx="3">
+              <a:schemeClr val="accent1"/>
+            </a:fillRef>
+            <a:effectRef idx="2">
+              <a:schemeClr val="accent1"/>
+            </a:effectRef>
+            <a:fontRef idx="minor">
+              <a:schemeClr val="lt1"/>
+            </a:fontRef>
+          </p:style>
+          <p:txBody>
+            <a:bodyPr rtlCol="0" anchor="ctr"/>
+            <a:lstStyle/>
+            <a:p>
+              <a:pPr algn="ctr"/>
+              <a:r>
+                <a:rPr lang="en-US" dirty="0" smtClean="0"/>
+                <a:t>Get answer</a:t>
+              </a:r>
+              <a:endParaRPr lang="en-US" dirty="0"/>
+            </a:p>
+          </p:txBody>
+        </p:sp>
+        <p:cxnSp>
+          <p:nvCxnSpPr>
+            <p:cNvPr id="27" name="Straight Arrow Connector 26"/>
+            <p:cNvCxnSpPr>
+              <a:endCxn id="25" idx="0"/>
+            </p:cNvCxnSpPr>
+            <p:nvPr/>
+          </p:nvCxnSpPr>
+          <p:spPr>
+            <a:xfrm>
+              <a:off x="7661709" y="4566188"/>
+              <a:ext cx="84221" cy="426509"/>
+            </a:xfrm>
+            <a:prstGeom prst="straightConnector1">
+              <a:avLst/>
+            </a:prstGeom>
+            <a:ln>
+              <a:tailEnd type="triangle"/>
+            </a:ln>
+          </p:spPr>
+          <p:style>
+            <a:lnRef idx="2">
+              <a:schemeClr val="accent1"/>
+            </a:lnRef>
+            <a:fillRef idx="0">
+              <a:schemeClr val="accent1"/>
+            </a:fillRef>
+            <a:effectRef idx="1">
+              <a:schemeClr val="accent1"/>
+            </a:effectRef>
+            <a:fontRef idx="minor">
+              <a:schemeClr val="tx1"/>
+            </a:fontRef>
+          </p:style>
+        </p:cxnSp>
+        <p:cxnSp>
+          <p:nvCxnSpPr>
+            <p:cNvPr id="29" name="Straight Arrow Connector 28"/>
+            <p:cNvCxnSpPr>
+              <a:stCxn id="24" idx="3"/>
+              <a:endCxn id="25" idx="1"/>
+            </p:cNvCxnSpPr>
+            <p:nvPr/>
+          </p:nvCxnSpPr>
+          <p:spPr>
+            <a:xfrm>
+              <a:off x="6154153" y="5293895"/>
+              <a:ext cx="443964" cy="30874"/>
+            </a:xfrm>
+            <a:prstGeom prst="straightConnector1">
+              <a:avLst/>
+            </a:prstGeom>
+            <a:ln>
+              <a:tailEnd type="triangle"/>
+            </a:ln>
+          </p:spPr>
+          <p:style>
+            <a:lnRef idx="2">
+              <a:schemeClr val="accent1"/>
+            </a:lnRef>
+            <a:fillRef idx="0">
+              <a:schemeClr val="accent1"/>
+            </a:fillRef>
+            <a:effectRef idx="1">
+              <a:schemeClr val="accent1"/>
+            </a:effectRef>
+            <a:fontRef idx="minor">
+              <a:schemeClr val="tx1"/>
+            </a:fontRef>
+          </p:style>
+        </p:cxnSp>
+        <p:sp>
+          <p:nvSpPr>
+            <p:cNvPr id="30" name="Rectangle 29"/>
+            <p:cNvSpPr/>
+            <p:nvPr/>
+          </p:nvSpPr>
+          <p:spPr>
+            <a:xfrm>
+              <a:off x="6556006" y="5809240"/>
+              <a:ext cx="2295625" cy="664143"/>
+            </a:xfrm>
+            <a:prstGeom prst="rect">
+              <a:avLst/>
+            </a:prstGeom>
+          </p:spPr>
+          <p:style>
+            <a:lnRef idx="1">
+              <a:schemeClr val="accent1"/>
+            </a:lnRef>
+            <a:fillRef idx="3">
+              <a:schemeClr val="accent1"/>
+            </a:fillRef>
+            <a:effectRef idx="2">
+              <a:schemeClr val="accent1"/>
+            </a:effectRef>
+            <a:fontRef idx="minor">
+              <a:schemeClr val="lt1"/>
+            </a:fontRef>
+          </p:style>
+          <p:txBody>
+            <a:bodyPr rtlCol="0" anchor="ctr"/>
+            <a:lstStyle/>
+            <a:p>
+              <a:pPr algn="ctr"/>
+              <a:r>
+                <a:rPr lang="en-US" dirty="0" smtClean="0"/>
+                <a:t>Display Answer</a:t>
+              </a:r>
+              <a:endParaRPr lang="en-US" dirty="0"/>
+            </a:p>
+          </p:txBody>
+        </p:sp>
+        <p:cxnSp>
+          <p:nvCxnSpPr>
+            <p:cNvPr id="31" name="Straight Arrow Connector 30"/>
+            <p:cNvCxnSpPr>
+              <a:endCxn id="30" idx="0"/>
+            </p:cNvCxnSpPr>
+            <p:nvPr/>
+          </p:nvCxnSpPr>
+          <p:spPr>
+            <a:xfrm flipH="1">
+              <a:off x="7703819" y="5571422"/>
+              <a:ext cx="5613" cy="237818"/>
+            </a:xfrm>
+            <a:prstGeom prst="straightConnector1">
+              <a:avLst/>
+            </a:prstGeom>
+            <a:ln>
+              <a:tailEnd type="triangle"/>
+            </a:ln>
+          </p:spPr>
+          <p:style>
+            <a:lnRef idx="2">
+              <a:schemeClr val="accent1"/>
+            </a:lnRef>
+            <a:fillRef idx="0">
+              <a:schemeClr val="accent1"/>
+            </a:fillRef>
+            <a:effectRef idx="1">
+              <a:schemeClr val="accent1"/>
+            </a:effectRef>
+            <a:fontRef idx="minor">
+              <a:schemeClr val="tx1"/>
+            </a:fontRef>
+          </p:style>
+        </p:cxnSp>
+      </p:grpSp>
       <p:cxnSp>
         <p:nvCxnSpPr>
-          <p:cNvPr id="9" name="Straight Arrow Connector 8"/>
-          <p:cNvCxnSpPr>
-            <a:stCxn id="6" idx="3"/>
-            <a:endCxn id="7" idx="1"/>
-          </p:cNvCxnSpPr>
+          <p:cNvPr id="5" name="Straight Arrow Connector 4"/>
+          <p:cNvCxnSpPr/>
           <p:nvPr/>
         </p:nvCxnSpPr>
         <p:spPr>
-          <a:xfrm flipV="1">
-            <a:off x="2752825" y="2005263"/>
-            <a:ext cx="671362" cy="11230"/>
+          <a:xfrm>
+            <a:off x="3157086" y="2205700"/>
+            <a:ext cx="144379" cy="882313"/>
           </a:xfrm>
           <a:prstGeom prst="straightConnector1">
             <a:avLst/>
@@ -8692,51 +9470,46 @@
           </a:fontRef>
         </p:style>
       </p:cxnSp>
-      <p:cxnSp>
-        <p:nvCxnSpPr>
-          <p:cNvPr id="11" name="Straight Arrow Connector 10"/>
-          <p:cNvCxnSpPr>
-            <a:stCxn id="7" idx="3"/>
-          </p:cNvCxnSpPr>
+      <p:sp>
+        <p:nvSpPr>
+          <p:cNvPr id="8" name="TextBox 7"/>
+          <p:cNvSpPr txBox="1"/>
           <p:nvPr/>
-        </p:nvCxnSpPr>
+        </p:nvSpPr>
         <p:spPr>
           <a:xfrm>
-            <a:off x="5719812" y="2005263"/>
-            <a:ext cx="603986" cy="0"/>
+            <a:off x="2687854" y="3365631"/>
+            <a:ext cx="1393257" cy="646331"/>
           </a:xfrm>
-          <a:prstGeom prst="straightConnector1">
+          <a:prstGeom prst="rect">
             <a:avLst/>
           </a:prstGeom>
-          <a:ln>
-            <a:tailEnd type="triangle"/>
-          </a:ln>
+          <a:noFill/>
         </p:spPr>
-        <p:style>
-          <a:lnRef idx="2">
-            <a:schemeClr val="accent1"/>
-          </a:lnRef>
-          <a:fillRef idx="0">
-            <a:schemeClr val="accent1"/>
-          </a:fillRef>
-          <a:effectRef idx="1">
-            <a:schemeClr val="accent1"/>
-          </a:effectRef>
-          <a:fontRef idx="minor">
-            <a:schemeClr val="tx1"/>
-          </a:fontRef>
-        </p:style>
-      </p:cxnSp>
-      <p:sp>
-        <p:nvSpPr>
-          <p:cNvPr id="12" name="Rectangle 11"/>
+        <p:txBody>
+          <a:bodyPr wrap="square" rtlCol="0">
+            <a:spAutoFit/>
+          </a:bodyPr>
+          <a:lstStyle/>
+          <a:p>
+            <a:r>
+              <a:rPr lang="en-US" dirty="0" smtClean="0"/>
+              <a:t>Stop words removal</a:t>
+            </a:r>
+            <a:endParaRPr lang="en-US" dirty="0"/>
+          </a:p>
+        </p:txBody>
+      </p:sp>
+      <p:sp>
+        <p:nvSpPr>
+          <p:cNvPr id="32" name="Rectangle 31"/>
           <p:cNvSpPr/>
           <p:nvPr/>
         </p:nvSpPr>
         <p:spPr>
           <a:xfrm>
-            <a:off x="6323798" y="1673190"/>
-            <a:ext cx="2295625" cy="664143"/>
+            <a:off x="4827670" y="1673189"/>
+            <a:ext cx="1147813" cy="664143"/>
           </a:xfrm>
           <a:prstGeom prst="rect">
             <a:avLst/>
@@ -8763,520 +9536,12 @@
             <a:pPr algn="ctr"/>
             <a:r>
               <a:rPr lang="en-US" dirty="0" smtClean="0"/>
-              <a:t>Topic Discovery</a:t>
+              <a:t>TFIDF</a:t>
             </a:r>
             <a:endParaRPr lang="en-US" dirty="0"/>
           </a:p>
         </p:txBody>
       </p:sp>
-      <p:sp>
-        <p:nvSpPr>
-          <p:cNvPr id="13" name="Rectangle 12"/>
-          <p:cNvSpPr/>
-          <p:nvPr/>
-        </p:nvSpPr>
-        <p:spPr>
-          <a:xfrm>
-            <a:off x="6391175" y="2701488"/>
-            <a:ext cx="2295625" cy="664143"/>
-          </a:xfrm>
-          <a:prstGeom prst="rect">
-            <a:avLst/>
-          </a:prstGeom>
-        </p:spPr>
-        <p:style>
-          <a:lnRef idx="1">
-            <a:schemeClr val="accent1"/>
-          </a:lnRef>
-          <a:fillRef idx="3">
-            <a:schemeClr val="accent1"/>
-          </a:fillRef>
-          <a:effectRef idx="2">
-            <a:schemeClr val="accent1"/>
-          </a:effectRef>
-          <a:fontRef idx="minor">
-            <a:schemeClr val="lt1"/>
-          </a:fontRef>
-        </p:style>
-        <p:txBody>
-          <a:bodyPr rtlCol="0" anchor="ctr"/>
-          <a:lstStyle/>
-          <a:p>
-            <a:pPr algn="ctr"/>
-            <a:r>
-              <a:rPr lang="en-US" dirty="0" smtClean="0"/>
-              <a:t>Triplets Extraction</a:t>
-            </a:r>
-            <a:endParaRPr lang="en-US" dirty="0"/>
-          </a:p>
-        </p:txBody>
-      </p:sp>
-      <p:sp>
-        <p:nvSpPr>
-          <p:cNvPr id="14" name="Rectangle 13"/>
-          <p:cNvSpPr/>
-          <p:nvPr/>
-        </p:nvSpPr>
-        <p:spPr>
-          <a:xfrm>
-            <a:off x="457200" y="4961823"/>
-            <a:ext cx="2295625" cy="664143"/>
-          </a:xfrm>
-          <a:prstGeom prst="rect">
-            <a:avLst/>
-          </a:prstGeom>
-        </p:spPr>
-        <p:style>
-          <a:lnRef idx="1">
-            <a:schemeClr val="accent1"/>
-          </a:lnRef>
-          <a:fillRef idx="3">
-            <a:schemeClr val="accent1"/>
-          </a:fillRef>
-          <a:effectRef idx="2">
-            <a:schemeClr val="accent1"/>
-          </a:effectRef>
-          <a:fontRef idx="minor">
-            <a:schemeClr val="lt1"/>
-          </a:fontRef>
-        </p:style>
-        <p:txBody>
-          <a:bodyPr rtlCol="0" anchor="ctr"/>
-          <a:lstStyle/>
-          <a:p>
-            <a:pPr algn="ctr"/>
-            <a:r>
-              <a:rPr lang="en-US" dirty="0" smtClean="0"/>
-              <a:t>Question</a:t>
-            </a:r>
-            <a:endParaRPr lang="en-US" dirty="0"/>
-          </a:p>
-        </p:txBody>
-      </p:sp>
-      <p:cxnSp>
-        <p:nvCxnSpPr>
-          <p:cNvPr id="16" name="Straight Arrow Connector 15"/>
-          <p:cNvCxnSpPr>
-            <a:endCxn id="13" idx="1"/>
-          </p:cNvCxnSpPr>
-          <p:nvPr/>
-        </p:nvCxnSpPr>
-        <p:spPr>
-          <a:xfrm>
-            <a:off x="5062888" y="2348564"/>
-            <a:ext cx="1328287" cy="684996"/>
-          </a:xfrm>
-          <a:prstGeom prst="straightConnector1">
-            <a:avLst/>
-          </a:prstGeom>
-          <a:ln>
-            <a:tailEnd type="triangle"/>
-          </a:ln>
-        </p:spPr>
-        <p:style>
-          <a:lnRef idx="2">
-            <a:schemeClr val="accent1"/>
-          </a:lnRef>
-          <a:fillRef idx="0">
-            <a:schemeClr val="accent1"/>
-          </a:fillRef>
-          <a:effectRef idx="1">
-            <a:schemeClr val="accent1"/>
-          </a:effectRef>
-          <a:fontRef idx="minor">
-            <a:schemeClr val="tx1"/>
-          </a:fontRef>
-        </p:style>
-      </p:cxnSp>
-      <p:sp>
-        <p:nvSpPr>
-          <p:cNvPr id="18" name="Rectangle 17"/>
-          <p:cNvSpPr/>
-          <p:nvPr/>
-        </p:nvSpPr>
-        <p:spPr>
-          <a:xfrm>
-            <a:off x="6391175" y="3718555"/>
-            <a:ext cx="2295625" cy="664143"/>
-          </a:xfrm>
-          <a:prstGeom prst="rect">
-            <a:avLst/>
-          </a:prstGeom>
-        </p:spPr>
-        <p:style>
-          <a:lnRef idx="1">
-            <a:schemeClr val="accent1"/>
-          </a:lnRef>
-          <a:fillRef idx="3">
-            <a:schemeClr val="accent1"/>
-          </a:fillRef>
-          <a:effectRef idx="2">
-            <a:schemeClr val="accent1"/>
-          </a:effectRef>
-          <a:fontRef idx="minor">
-            <a:schemeClr val="lt1"/>
-          </a:fontRef>
-        </p:style>
-        <p:txBody>
-          <a:bodyPr rtlCol="0" anchor="ctr"/>
-          <a:lstStyle/>
-          <a:p>
-            <a:pPr algn="ctr"/>
-            <a:r>
-              <a:rPr lang="en-US" dirty="0" smtClean="0"/>
-              <a:t>Ontology Creation</a:t>
-            </a:r>
-            <a:endParaRPr lang="en-US" dirty="0"/>
-          </a:p>
-        </p:txBody>
-      </p:sp>
-      <p:cxnSp>
-        <p:nvCxnSpPr>
-          <p:cNvPr id="20" name="Straight Arrow Connector 19"/>
-          <p:cNvCxnSpPr>
-            <a:stCxn id="7" idx="2"/>
-            <a:endCxn id="18" idx="1"/>
-          </p:cNvCxnSpPr>
-          <p:nvPr/>
-        </p:nvCxnSpPr>
-        <p:spPr>
-          <a:xfrm>
-            <a:off x="4572000" y="2337334"/>
-            <a:ext cx="1819175" cy="1713293"/>
-          </a:xfrm>
-          <a:prstGeom prst="straightConnector1">
-            <a:avLst/>
-          </a:prstGeom>
-          <a:ln>
-            <a:tailEnd type="triangle"/>
-          </a:ln>
-        </p:spPr>
-        <p:style>
-          <a:lnRef idx="2">
-            <a:schemeClr val="accent1"/>
-          </a:lnRef>
-          <a:fillRef idx="0">
-            <a:schemeClr val="accent1"/>
-          </a:fillRef>
-          <a:effectRef idx="1">
-            <a:schemeClr val="accent1"/>
-          </a:effectRef>
-          <a:fontRef idx="minor">
-            <a:schemeClr val="tx1"/>
-          </a:fontRef>
-        </p:style>
-      </p:cxnSp>
-      <p:sp>
-        <p:nvSpPr>
-          <p:cNvPr id="21" name="Rectangle 20"/>
-          <p:cNvSpPr/>
-          <p:nvPr/>
-        </p:nvSpPr>
-        <p:spPr>
-          <a:xfrm>
-            <a:off x="221380" y="1397979"/>
-            <a:ext cx="8701238" cy="3135520"/>
-          </a:xfrm>
-          <a:prstGeom prst="rect">
-            <a:avLst/>
-          </a:prstGeom>
-          <a:noFill/>
-          <a:ln>
-            <a:solidFill>
-              <a:schemeClr val="tx1"/>
-            </a:solidFill>
-          </a:ln>
-        </p:spPr>
-        <p:style>
-          <a:lnRef idx="1">
-            <a:schemeClr val="accent1"/>
-          </a:lnRef>
-          <a:fillRef idx="3">
-            <a:schemeClr val="accent1"/>
-          </a:fillRef>
-          <a:effectRef idx="2">
-            <a:schemeClr val="accent1"/>
-          </a:effectRef>
-          <a:fontRef idx="minor">
-            <a:schemeClr val="lt1"/>
-          </a:fontRef>
-        </p:style>
-        <p:txBody>
-          <a:bodyPr rtlCol="0" anchor="ctr"/>
-          <a:lstStyle/>
-          <a:p>
-            <a:pPr algn="ctr"/>
-            <a:endParaRPr lang="en-US"/>
-          </a:p>
-        </p:txBody>
-      </p:sp>
-      <p:cxnSp>
-        <p:nvCxnSpPr>
-          <p:cNvPr id="23" name="Straight Arrow Connector 22"/>
-          <p:cNvCxnSpPr>
-            <a:stCxn id="14" idx="3"/>
-          </p:cNvCxnSpPr>
-          <p:nvPr/>
-        </p:nvCxnSpPr>
-        <p:spPr>
-          <a:xfrm flipV="1">
-            <a:off x="2752825" y="5263021"/>
-            <a:ext cx="1105703" cy="30874"/>
-          </a:xfrm>
-          <a:prstGeom prst="straightConnector1">
-            <a:avLst/>
-          </a:prstGeom>
-          <a:ln>
-            <a:tailEnd type="triangle"/>
-          </a:ln>
-        </p:spPr>
-        <p:style>
-          <a:lnRef idx="2">
-            <a:schemeClr val="accent1"/>
-          </a:lnRef>
-          <a:fillRef idx="0">
-            <a:schemeClr val="accent1"/>
-          </a:fillRef>
-          <a:effectRef idx="1">
-            <a:schemeClr val="accent1"/>
-          </a:effectRef>
-          <a:fontRef idx="minor">
-            <a:schemeClr val="tx1"/>
-          </a:fontRef>
-        </p:style>
-      </p:cxnSp>
-      <p:sp>
-        <p:nvSpPr>
-          <p:cNvPr id="24" name="Rectangle 23"/>
-          <p:cNvSpPr/>
-          <p:nvPr/>
-        </p:nvSpPr>
-        <p:spPr>
-          <a:xfrm>
-            <a:off x="3858528" y="4961823"/>
-            <a:ext cx="2295625" cy="664143"/>
-          </a:xfrm>
-          <a:prstGeom prst="rect">
-            <a:avLst/>
-          </a:prstGeom>
-        </p:spPr>
-        <p:style>
-          <a:lnRef idx="1">
-            <a:schemeClr val="accent1"/>
-          </a:lnRef>
-          <a:fillRef idx="3">
-            <a:schemeClr val="accent1"/>
-          </a:fillRef>
-          <a:effectRef idx="2">
-            <a:schemeClr val="accent1"/>
-          </a:effectRef>
-          <a:fontRef idx="minor">
-            <a:schemeClr val="lt1"/>
-          </a:fontRef>
-        </p:style>
-        <p:txBody>
-          <a:bodyPr rtlCol="0" anchor="ctr"/>
-          <a:lstStyle/>
-          <a:p>
-            <a:pPr algn="ctr"/>
-            <a:r>
-              <a:rPr lang="en-US" dirty="0" smtClean="0"/>
-              <a:t>NLP</a:t>
-            </a:r>
-            <a:endParaRPr lang="en-US" dirty="0"/>
-          </a:p>
-        </p:txBody>
-      </p:sp>
-      <p:sp>
-        <p:nvSpPr>
-          <p:cNvPr id="25" name="Rectangle 24"/>
-          <p:cNvSpPr/>
-          <p:nvPr/>
-        </p:nvSpPr>
-        <p:spPr>
-          <a:xfrm>
-            <a:off x="6598117" y="4992697"/>
-            <a:ext cx="2295625" cy="664143"/>
-          </a:xfrm>
-          <a:prstGeom prst="rect">
-            <a:avLst/>
-          </a:prstGeom>
-        </p:spPr>
-        <p:style>
-          <a:lnRef idx="1">
-            <a:schemeClr val="accent1"/>
-          </a:lnRef>
-          <a:fillRef idx="3">
-            <a:schemeClr val="accent1"/>
-          </a:fillRef>
-          <a:effectRef idx="2">
-            <a:schemeClr val="accent1"/>
-          </a:effectRef>
-          <a:fontRef idx="minor">
-            <a:schemeClr val="lt1"/>
-          </a:fontRef>
-        </p:style>
-        <p:txBody>
-          <a:bodyPr rtlCol="0" anchor="ctr"/>
-          <a:lstStyle/>
-          <a:p>
-            <a:pPr algn="ctr"/>
-            <a:r>
-              <a:rPr lang="en-US" dirty="0" smtClean="0"/>
-              <a:t>Get answer</a:t>
-            </a:r>
-            <a:endParaRPr lang="en-US" dirty="0"/>
-          </a:p>
-        </p:txBody>
-      </p:sp>
-      <p:cxnSp>
-        <p:nvCxnSpPr>
-          <p:cNvPr id="27" name="Straight Arrow Connector 26"/>
-          <p:cNvCxnSpPr>
-            <a:endCxn id="25" idx="0"/>
-          </p:cNvCxnSpPr>
-          <p:nvPr/>
-        </p:nvCxnSpPr>
-        <p:spPr>
-          <a:xfrm>
-            <a:off x="7661709" y="4566188"/>
-            <a:ext cx="84221" cy="426509"/>
-          </a:xfrm>
-          <a:prstGeom prst="straightConnector1">
-            <a:avLst/>
-          </a:prstGeom>
-          <a:ln>
-            <a:tailEnd type="triangle"/>
-          </a:ln>
-        </p:spPr>
-        <p:style>
-          <a:lnRef idx="2">
-            <a:schemeClr val="accent1"/>
-          </a:lnRef>
-          <a:fillRef idx="0">
-            <a:schemeClr val="accent1"/>
-          </a:fillRef>
-          <a:effectRef idx="1">
-            <a:schemeClr val="accent1"/>
-          </a:effectRef>
-          <a:fontRef idx="minor">
-            <a:schemeClr val="tx1"/>
-          </a:fontRef>
-        </p:style>
-      </p:cxnSp>
-      <p:cxnSp>
-        <p:nvCxnSpPr>
-          <p:cNvPr id="29" name="Straight Arrow Connector 28"/>
-          <p:cNvCxnSpPr>
-            <a:stCxn id="24" idx="3"/>
-            <a:endCxn id="25" idx="1"/>
-          </p:cNvCxnSpPr>
-          <p:nvPr/>
-        </p:nvCxnSpPr>
-        <p:spPr>
-          <a:xfrm>
-            <a:off x="6154153" y="5293895"/>
-            <a:ext cx="443964" cy="30874"/>
-          </a:xfrm>
-          <a:prstGeom prst="straightConnector1">
-            <a:avLst/>
-          </a:prstGeom>
-          <a:ln>
-            <a:tailEnd type="triangle"/>
-          </a:ln>
-        </p:spPr>
-        <p:style>
-          <a:lnRef idx="2">
-            <a:schemeClr val="accent1"/>
-          </a:lnRef>
-          <a:fillRef idx="0">
-            <a:schemeClr val="accent1"/>
-          </a:fillRef>
-          <a:effectRef idx="1">
-            <a:schemeClr val="accent1"/>
-          </a:effectRef>
-          <a:fontRef idx="minor">
-            <a:schemeClr val="tx1"/>
-          </a:fontRef>
-        </p:style>
-      </p:cxnSp>
-      <p:sp>
-        <p:nvSpPr>
-          <p:cNvPr id="30" name="Rectangle 29"/>
-          <p:cNvSpPr/>
-          <p:nvPr/>
-        </p:nvSpPr>
-        <p:spPr>
-          <a:xfrm>
-            <a:off x="6556006" y="5809240"/>
-            <a:ext cx="2295625" cy="664143"/>
-          </a:xfrm>
-          <a:prstGeom prst="rect">
-            <a:avLst/>
-          </a:prstGeom>
-        </p:spPr>
-        <p:style>
-          <a:lnRef idx="1">
-            <a:schemeClr val="accent1"/>
-          </a:lnRef>
-          <a:fillRef idx="3">
-            <a:schemeClr val="accent1"/>
-          </a:fillRef>
-          <a:effectRef idx="2">
-            <a:schemeClr val="accent1"/>
-          </a:effectRef>
-          <a:fontRef idx="minor">
-            <a:schemeClr val="lt1"/>
-          </a:fontRef>
-        </p:style>
-        <p:txBody>
-          <a:bodyPr rtlCol="0" anchor="ctr"/>
-          <a:lstStyle/>
-          <a:p>
-            <a:pPr algn="ctr"/>
-            <a:r>
-              <a:rPr lang="en-US" dirty="0" smtClean="0"/>
-              <a:t>Display Answer</a:t>
-            </a:r>
-            <a:endParaRPr lang="en-US" dirty="0"/>
-          </a:p>
-        </p:txBody>
-      </p:sp>
-      <p:cxnSp>
-        <p:nvCxnSpPr>
-          <p:cNvPr id="31" name="Straight Arrow Connector 30"/>
-          <p:cNvCxnSpPr>
-            <a:endCxn id="30" idx="0"/>
-          </p:cNvCxnSpPr>
-          <p:nvPr/>
-        </p:nvCxnSpPr>
-        <p:spPr>
-          <a:xfrm flipH="1">
-            <a:off x="7703819" y="5571422"/>
-            <a:ext cx="5613" cy="237818"/>
-          </a:xfrm>
-          <a:prstGeom prst="straightConnector1">
-            <a:avLst/>
-          </a:prstGeom>
-          <a:ln>
-            <a:tailEnd type="triangle"/>
-          </a:ln>
-        </p:spPr>
-        <p:style>
-          <a:lnRef idx="2">
-            <a:schemeClr val="accent1"/>
-          </a:lnRef>
-          <a:fillRef idx="0">
-            <a:schemeClr val="accent1"/>
-          </a:fillRef>
-          <a:effectRef idx="1">
-            <a:schemeClr val="accent1"/>
-          </a:effectRef>
-          <a:fontRef idx="minor">
-            <a:schemeClr val="tx1"/>
-          </a:fontRef>
-        </p:style>
-      </p:cxnSp>
     </p:spTree>
     <p:extLst>
       <p:ext uri="{BB962C8B-B14F-4D97-AF65-F5344CB8AC3E}">
@@ -9872,14 +10137,28 @@
         </p:nvSpPr>
         <p:spPr/>
         <p:txBody>
-          <a:bodyPr/>
-          <a:lstStyle/>
-          <a:p>
-            <a:r>
-              <a:rPr lang="en-US" dirty="0" smtClean="0"/>
+          <a:bodyPr>
+            <a:normAutofit/>
+          </a:bodyPr>
+          <a:lstStyle/>
+          <a:p>
+            <a:r>
+              <a:rPr lang="en-US" sz="3500" b="1" dirty="0">
+                <a:solidFill>
+                  <a:schemeClr val="accent1"/>
+                </a:solidFill>
+                <a:latin typeface="Times New Roman" panose="02020603050405020304" pitchFamily="18" charset="0"/>
+                <a:cs typeface="Times New Roman" panose="02020603050405020304" pitchFamily="18" charset="0"/>
+              </a:rPr>
               <a:t>Dataset view</a:t>
             </a:r>
-            <a:endParaRPr lang="en-US" dirty="0"/>
+            <a:endParaRPr lang="en-US" sz="3500" b="1" dirty="0">
+              <a:solidFill>
+                <a:schemeClr val="accent1"/>
+              </a:solidFill>
+              <a:latin typeface="Times New Roman" panose="02020603050405020304" pitchFamily="18" charset="0"/>
+              <a:cs typeface="Times New Roman" panose="02020603050405020304" pitchFamily="18" charset="0"/>
+            </a:endParaRPr>
           </a:p>
         </p:txBody>
       </p:sp>
@@ -10014,14 +10293,28 @@
         </p:nvSpPr>
         <p:spPr/>
         <p:txBody>
-          <a:bodyPr/>
-          <a:lstStyle/>
-          <a:p>
-            <a:r>
-              <a:rPr lang="en-US" dirty="0" smtClean="0"/>
+          <a:bodyPr>
+            <a:normAutofit/>
+          </a:bodyPr>
+          <a:lstStyle/>
+          <a:p>
+            <a:r>
+              <a:rPr lang="en-US" sz="3500" b="1" dirty="0">
+                <a:solidFill>
+                  <a:schemeClr val="accent1"/>
+                </a:solidFill>
+                <a:latin typeface="Times New Roman" panose="02020603050405020304" pitchFamily="18" charset="0"/>
+                <a:cs typeface="Times New Roman" panose="02020603050405020304" pitchFamily="18" charset="0"/>
+              </a:rPr>
               <a:t>LDA : Top 20 topics</a:t>
             </a:r>
-            <a:endParaRPr lang="en-US" dirty="0"/>
+            <a:endParaRPr lang="en-US" sz="3500" b="1" dirty="0">
+              <a:solidFill>
+                <a:schemeClr val="accent1"/>
+              </a:solidFill>
+              <a:latin typeface="Times New Roman" panose="02020603050405020304" pitchFamily="18" charset="0"/>
+              <a:cs typeface="Times New Roman" panose="02020603050405020304" pitchFamily="18" charset="0"/>
+            </a:endParaRPr>
           </a:p>
         </p:txBody>
       </p:sp>
